--- a/python-docx object 关系图.pptx
+++ b/python-docx object 关系图.pptx
@@ -5,8 +5,8 @@
     <p:sldMasterId id="2147483648" r:id="rId1"/>
   </p:sldMasterIdLst>
   <p:sldIdLst>
-    <p:sldId id="257" r:id="rId2"/>
-    <p:sldId id="258" r:id="rId3"/>
+    <p:sldId id="257" r:id="rId3"/>
+    <p:sldId id="258" r:id="rId4"/>
   </p:sldIdLst>
   <p:sldSz cx="12192000" cy="6858000"/>
   <p:notesSz cx="6858000" cy="9144000"/>
@@ -105,11 +105,6 @@
       </a:defRPr>
     </a:lvl9pPr>
   </p:defaultTextStyle>
-  <p:extLst>
-    <p:ext uri="{EFAFB233-063F-42B5-8137-9DF3F51BA10A}">
-      <p15:sldGuideLst xmlns:p15="http://schemas.microsoft.com/office/powerpoint/2012/main"/>
-    </p:ext>
-  </p:extLst>
 </p:presentation>
 </file>
 
@@ -158,6 +153,7 @@
               <a:rPr lang="zh-CN" altLang="en-US"/>
               <a:t>单击此处编辑母版标题样式</a:t>
             </a:r>
+            <a:endParaRPr lang="zh-CN" altLang="en-US"/>
           </a:p>
         </p:txBody>
       </p:sp>
@@ -222,6 +218,7 @@
               <a:rPr lang="zh-CN" altLang="en-US"/>
               <a:t>单击此处编辑母版副标题样式</a:t>
             </a:r>
+            <a:endParaRPr lang="zh-CN" altLang="en-US"/>
           </a:p>
         </p:txBody>
       </p:sp>
@@ -242,7 +239,6 @@
           <a:p>
             <a:fld id="{D997B5FA-0921-464F-AAE1-844C04324D75}" type="datetimeFigureOut">
               <a:rPr lang="zh-CN" altLang="en-US" smtClean="0"/>
-              <a:t>2020/9/24</a:t>
             </a:fld>
             <a:endParaRPr lang="zh-CN" altLang="en-US"/>
           </a:p>
@@ -284,7 +280,6 @@
           <a:p>
             <a:fld id="{565CE74E-AB26-4998-AD42-012C4C1AD076}" type="slidenum">
               <a:rPr lang="zh-CN" altLang="en-US" smtClean="0"/>
-              <a:t>‹#›</a:t>
             </a:fld>
             <a:endParaRPr lang="zh-CN" altLang="en-US"/>
           </a:p>
@@ -334,6 +329,7 @@
               <a:rPr lang="zh-CN" altLang="en-US"/>
               <a:t>单击此处编辑母版标题样式</a:t>
             </a:r>
+            <a:endParaRPr lang="zh-CN" altLang="en-US"/>
           </a:p>
         </p:txBody>
       </p:sp>
@@ -357,6 +353,7 @@
               <a:rPr lang="zh-CN" altLang="en-US"/>
               <a:t>单击此处编辑母版文本样式</a:t>
             </a:r>
+            <a:endParaRPr lang="zh-CN" altLang="en-US"/>
           </a:p>
           <a:p>
             <a:pPr lvl="1"/>
@@ -364,6 +361,7 @@
               <a:rPr lang="zh-CN" altLang="en-US"/>
               <a:t>第二级</a:t>
             </a:r>
+            <a:endParaRPr lang="zh-CN" altLang="en-US"/>
           </a:p>
           <a:p>
             <a:pPr lvl="2"/>
@@ -371,6 +369,7 @@
               <a:rPr lang="zh-CN" altLang="en-US"/>
               <a:t>第三级</a:t>
             </a:r>
+            <a:endParaRPr lang="zh-CN" altLang="en-US"/>
           </a:p>
           <a:p>
             <a:pPr lvl="3"/>
@@ -378,6 +377,7 @@
               <a:rPr lang="zh-CN" altLang="en-US"/>
               <a:t>第四级</a:t>
             </a:r>
+            <a:endParaRPr lang="zh-CN" altLang="en-US"/>
           </a:p>
           <a:p>
             <a:pPr lvl="4"/>
@@ -385,6 +385,7 @@
               <a:rPr lang="zh-CN" altLang="en-US"/>
               <a:t>第五级</a:t>
             </a:r>
+            <a:endParaRPr lang="zh-CN" altLang="en-US"/>
           </a:p>
         </p:txBody>
       </p:sp>
@@ -405,7 +406,6 @@
           <a:p>
             <a:fld id="{D997B5FA-0921-464F-AAE1-844C04324D75}" type="datetimeFigureOut">
               <a:rPr lang="zh-CN" altLang="en-US" smtClean="0"/>
-              <a:t>2020/9/24</a:t>
             </a:fld>
             <a:endParaRPr lang="zh-CN" altLang="en-US"/>
           </a:p>
@@ -447,7 +447,6 @@
           <a:p>
             <a:fld id="{565CE74E-AB26-4998-AD42-012C4C1AD076}" type="slidenum">
               <a:rPr lang="zh-CN" altLang="en-US" smtClean="0"/>
-              <a:t>‹#›</a:t>
             </a:fld>
             <a:endParaRPr lang="zh-CN" altLang="en-US"/>
           </a:p>
@@ -502,6 +501,7 @@
               <a:rPr lang="zh-CN" altLang="en-US"/>
               <a:t>单击此处编辑母版标题样式</a:t>
             </a:r>
+            <a:endParaRPr lang="zh-CN" altLang="en-US"/>
           </a:p>
         </p:txBody>
       </p:sp>
@@ -530,6 +530,7 @@
               <a:rPr lang="zh-CN" altLang="en-US"/>
               <a:t>单击此处编辑母版文本样式</a:t>
             </a:r>
+            <a:endParaRPr lang="zh-CN" altLang="en-US"/>
           </a:p>
           <a:p>
             <a:pPr lvl="1"/>
@@ -537,6 +538,7 @@
               <a:rPr lang="zh-CN" altLang="en-US"/>
               <a:t>第二级</a:t>
             </a:r>
+            <a:endParaRPr lang="zh-CN" altLang="en-US"/>
           </a:p>
           <a:p>
             <a:pPr lvl="2"/>
@@ -544,6 +546,7 @@
               <a:rPr lang="zh-CN" altLang="en-US"/>
               <a:t>第三级</a:t>
             </a:r>
+            <a:endParaRPr lang="zh-CN" altLang="en-US"/>
           </a:p>
           <a:p>
             <a:pPr lvl="3"/>
@@ -551,6 +554,7 @@
               <a:rPr lang="zh-CN" altLang="en-US"/>
               <a:t>第四级</a:t>
             </a:r>
+            <a:endParaRPr lang="zh-CN" altLang="en-US"/>
           </a:p>
           <a:p>
             <a:pPr lvl="4"/>
@@ -558,6 +562,7 @@
               <a:rPr lang="zh-CN" altLang="en-US"/>
               <a:t>第五级</a:t>
             </a:r>
+            <a:endParaRPr lang="zh-CN" altLang="en-US"/>
           </a:p>
         </p:txBody>
       </p:sp>
@@ -578,7 +583,6 @@
           <a:p>
             <a:fld id="{D997B5FA-0921-464F-AAE1-844C04324D75}" type="datetimeFigureOut">
               <a:rPr lang="zh-CN" altLang="en-US" smtClean="0"/>
-              <a:t>2020/9/24</a:t>
             </a:fld>
             <a:endParaRPr lang="zh-CN" altLang="en-US"/>
           </a:p>
@@ -620,7 +624,6 @@
           <a:p>
             <a:fld id="{565CE74E-AB26-4998-AD42-012C4C1AD076}" type="slidenum">
               <a:rPr lang="zh-CN" altLang="en-US" smtClean="0"/>
-              <a:t>‹#›</a:t>
             </a:fld>
             <a:endParaRPr lang="zh-CN" altLang="en-US"/>
           </a:p>
@@ -670,6 +673,7 @@
               <a:rPr lang="zh-CN" altLang="en-US"/>
               <a:t>单击此处编辑母版标题样式</a:t>
             </a:r>
+            <a:endParaRPr lang="zh-CN" altLang="en-US"/>
           </a:p>
         </p:txBody>
       </p:sp>
@@ -693,6 +697,7 @@
               <a:rPr lang="zh-CN" altLang="en-US"/>
               <a:t>单击此处编辑母版文本样式</a:t>
             </a:r>
+            <a:endParaRPr lang="zh-CN" altLang="en-US"/>
           </a:p>
           <a:p>
             <a:pPr lvl="1"/>
@@ -700,6 +705,7 @@
               <a:rPr lang="zh-CN" altLang="en-US"/>
               <a:t>第二级</a:t>
             </a:r>
+            <a:endParaRPr lang="zh-CN" altLang="en-US"/>
           </a:p>
           <a:p>
             <a:pPr lvl="2"/>
@@ -707,6 +713,7 @@
               <a:rPr lang="zh-CN" altLang="en-US"/>
               <a:t>第三级</a:t>
             </a:r>
+            <a:endParaRPr lang="zh-CN" altLang="en-US"/>
           </a:p>
           <a:p>
             <a:pPr lvl="3"/>
@@ -714,6 +721,7 @@
               <a:rPr lang="zh-CN" altLang="en-US"/>
               <a:t>第四级</a:t>
             </a:r>
+            <a:endParaRPr lang="zh-CN" altLang="en-US"/>
           </a:p>
           <a:p>
             <a:pPr lvl="4"/>
@@ -721,6 +729,7 @@
               <a:rPr lang="zh-CN" altLang="en-US"/>
               <a:t>第五级</a:t>
             </a:r>
+            <a:endParaRPr lang="zh-CN" altLang="en-US"/>
           </a:p>
         </p:txBody>
       </p:sp>
@@ -741,7 +750,6 @@
           <a:p>
             <a:fld id="{D997B5FA-0921-464F-AAE1-844C04324D75}" type="datetimeFigureOut">
               <a:rPr lang="zh-CN" altLang="en-US" smtClean="0"/>
-              <a:t>2020/9/24</a:t>
             </a:fld>
             <a:endParaRPr lang="zh-CN" altLang="en-US"/>
           </a:p>
@@ -783,7 +791,6 @@
           <a:p>
             <a:fld id="{565CE74E-AB26-4998-AD42-012C4C1AD076}" type="slidenum">
               <a:rPr lang="zh-CN" altLang="en-US" smtClean="0"/>
-              <a:t>‹#›</a:t>
             </a:fld>
             <a:endParaRPr lang="zh-CN" altLang="en-US"/>
           </a:p>
@@ -842,6 +849,7 @@
               <a:rPr lang="zh-CN" altLang="en-US"/>
               <a:t>单击此处编辑母版标题样式</a:t>
             </a:r>
+            <a:endParaRPr lang="zh-CN" altLang="en-US"/>
           </a:p>
         </p:txBody>
       </p:sp>
@@ -961,6 +969,7 @@
               <a:rPr lang="zh-CN" altLang="en-US"/>
               <a:t>单击此处编辑母版文本样式</a:t>
             </a:r>
+            <a:endParaRPr lang="zh-CN" altLang="en-US"/>
           </a:p>
         </p:txBody>
       </p:sp>
@@ -981,7 +990,6 @@
           <a:p>
             <a:fld id="{D997B5FA-0921-464F-AAE1-844C04324D75}" type="datetimeFigureOut">
               <a:rPr lang="zh-CN" altLang="en-US" smtClean="0"/>
-              <a:t>2020/9/24</a:t>
             </a:fld>
             <a:endParaRPr lang="zh-CN" altLang="en-US"/>
           </a:p>
@@ -1023,7 +1031,6 @@
           <a:p>
             <a:fld id="{565CE74E-AB26-4998-AD42-012C4C1AD076}" type="slidenum">
               <a:rPr lang="zh-CN" altLang="en-US" smtClean="0"/>
-              <a:t>‹#›</a:t>
             </a:fld>
             <a:endParaRPr lang="zh-CN" altLang="en-US"/>
           </a:p>
@@ -1073,6 +1080,7 @@
               <a:rPr lang="zh-CN" altLang="en-US"/>
               <a:t>单击此处编辑母版标题样式</a:t>
             </a:r>
+            <a:endParaRPr lang="zh-CN" altLang="en-US"/>
           </a:p>
         </p:txBody>
       </p:sp>
@@ -1101,6 +1109,7 @@
               <a:rPr lang="zh-CN" altLang="en-US"/>
               <a:t>单击此处编辑母版文本样式</a:t>
             </a:r>
+            <a:endParaRPr lang="zh-CN" altLang="en-US"/>
           </a:p>
           <a:p>
             <a:pPr lvl="1"/>
@@ -1108,6 +1117,7 @@
               <a:rPr lang="zh-CN" altLang="en-US"/>
               <a:t>第二级</a:t>
             </a:r>
+            <a:endParaRPr lang="zh-CN" altLang="en-US"/>
           </a:p>
           <a:p>
             <a:pPr lvl="2"/>
@@ -1115,6 +1125,7 @@
               <a:rPr lang="zh-CN" altLang="en-US"/>
               <a:t>第三级</a:t>
             </a:r>
+            <a:endParaRPr lang="zh-CN" altLang="en-US"/>
           </a:p>
           <a:p>
             <a:pPr lvl="3"/>
@@ -1122,6 +1133,7 @@
               <a:rPr lang="zh-CN" altLang="en-US"/>
               <a:t>第四级</a:t>
             </a:r>
+            <a:endParaRPr lang="zh-CN" altLang="en-US"/>
           </a:p>
           <a:p>
             <a:pPr lvl="4"/>
@@ -1129,6 +1141,7 @@
               <a:rPr lang="zh-CN" altLang="en-US"/>
               <a:t>第五级</a:t>
             </a:r>
+            <a:endParaRPr lang="zh-CN" altLang="en-US"/>
           </a:p>
         </p:txBody>
       </p:sp>
@@ -1157,6 +1170,7 @@
               <a:rPr lang="zh-CN" altLang="en-US"/>
               <a:t>单击此处编辑母版文本样式</a:t>
             </a:r>
+            <a:endParaRPr lang="zh-CN" altLang="en-US"/>
           </a:p>
           <a:p>
             <a:pPr lvl="1"/>
@@ -1164,6 +1178,7 @@
               <a:rPr lang="zh-CN" altLang="en-US"/>
               <a:t>第二级</a:t>
             </a:r>
+            <a:endParaRPr lang="zh-CN" altLang="en-US"/>
           </a:p>
           <a:p>
             <a:pPr lvl="2"/>
@@ -1171,6 +1186,7 @@
               <a:rPr lang="zh-CN" altLang="en-US"/>
               <a:t>第三级</a:t>
             </a:r>
+            <a:endParaRPr lang="zh-CN" altLang="en-US"/>
           </a:p>
           <a:p>
             <a:pPr lvl="3"/>
@@ -1178,6 +1194,7 @@
               <a:rPr lang="zh-CN" altLang="en-US"/>
               <a:t>第四级</a:t>
             </a:r>
+            <a:endParaRPr lang="zh-CN" altLang="en-US"/>
           </a:p>
           <a:p>
             <a:pPr lvl="4"/>
@@ -1185,6 +1202,7 @@
               <a:rPr lang="zh-CN" altLang="en-US"/>
               <a:t>第五级</a:t>
             </a:r>
+            <a:endParaRPr lang="zh-CN" altLang="en-US"/>
           </a:p>
         </p:txBody>
       </p:sp>
@@ -1205,7 +1223,6 @@
           <a:p>
             <a:fld id="{D997B5FA-0921-464F-AAE1-844C04324D75}" type="datetimeFigureOut">
               <a:rPr lang="zh-CN" altLang="en-US" smtClean="0"/>
-              <a:t>2020/9/24</a:t>
             </a:fld>
             <a:endParaRPr lang="zh-CN" altLang="en-US"/>
           </a:p>
@@ -1247,7 +1264,6 @@
           <a:p>
             <a:fld id="{565CE74E-AB26-4998-AD42-012C4C1AD076}" type="slidenum">
               <a:rPr lang="zh-CN" altLang="en-US" smtClean="0"/>
-              <a:t>‹#›</a:t>
             </a:fld>
             <a:endParaRPr lang="zh-CN" altLang="en-US"/>
           </a:p>
@@ -1302,6 +1318,7 @@
               <a:rPr lang="zh-CN" altLang="en-US"/>
               <a:t>单击此处编辑母版标题样式</a:t>
             </a:r>
+            <a:endParaRPr lang="zh-CN" altLang="en-US"/>
           </a:p>
         </p:txBody>
       </p:sp>
@@ -1367,6 +1384,7 @@
               <a:rPr lang="zh-CN" altLang="en-US"/>
               <a:t>单击此处编辑母版文本样式</a:t>
             </a:r>
+            <a:endParaRPr lang="zh-CN" altLang="en-US"/>
           </a:p>
         </p:txBody>
       </p:sp>
@@ -1395,6 +1413,7 @@
               <a:rPr lang="zh-CN" altLang="en-US"/>
               <a:t>单击此处编辑母版文本样式</a:t>
             </a:r>
+            <a:endParaRPr lang="zh-CN" altLang="en-US"/>
           </a:p>
           <a:p>
             <a:pPr lvl="1"/>
@@ -1402,6 +1421,7 @@
               <a:rPr lang="zh-CN" altLang="en-US"/>
               <a:t>第二级</a:t>
             </a:r>
+            <a:endParaRPr lang="zh-CN" altLang="en-US"/>
           </a:p>
           <a:p>
             <a:pPr lvl="2"/>
@@ -1409,6 +1429,7 @@
               <a:rPr lang="zh-CN" altLang="en-US"/>
               <a:t>第三级</a:t>
             </a:r>
+            <a:endParaRPr lang="zh-CN" altLang="en-US"/>
           </a:p>
           <a:p>
             <a:pPr lvl="3"/>
@@ -1416,6 +1437,7 @@
               <a:rPr lang="zh-CN" altLang="en-US"/>
               <a:t>第四级</a:t>
             </a:r>
+            <a:endParaRPr lang="zh-CN" altLang="en-US"/>
           </a:p>
           <a:p>
             <a:pPr lvl="4"/>
@@ -1423,6 +1445,7 @@
               <a:rPr lang="zh-CN" altLang="en-US"/>
               <a:t>第五级</a:t>
             </a:r>
+            <a:endParaRPr lang="zh-CN" altLang="en-US"/>
           </a:p>
         </p:txBody>
       </p:sp>
@@ -1488,6 +1511,7 @@
               <a:rPr lang="zh-CN" altLang="en-US"/>
               <a:t>单击此处编辑母版文本样式</a:t>
             </a:r>
+            <a:endParaRPr lang="zh-CN" altLang="en-US"/>
           </a:p>
         </p:txBody>
       </p:sp>
@@ -1516,6 +1540,7 @@
               <a:rPr lang="zh-CN" altLang="en-US"/>
               <a:t>单击此处编辑母版文本样式</a:t>
             </a:r>
+            <a:endParaRPr lang="zh-CN" altLang="en-US"/>
           </a:p>
           <a:p>
             <a:pPr lvl="1"/>
@@ -1523,6 +1548,7 @@
               <a:rPr lang="zh-CN" altLang="en-US"/>
               <a:t>第二级</a:t>
             </a:r>
+            <a:endParaRPr lang="zh-CN" altLang="en-US"/>
           </a:p>
           <a:p>
             <a:pPr lvl="2"/>
@@ -1530,6 +1556,7 @@
               <a:rPr lang="zh-CN" altLang="en-US"/>
               <a:t>第三级</a:t>
             </a:r>
+            <a:endParaRPr lang="zh-CN" altLang="en-US"/>
           </a:p>
           <a:p>
             <a:pPr lvl="3"/>
@@ -1537,6 +1564,7 @@
               <a:rPr lang="zh-CN" altLang="en-US"/>
               <a:t>第四级</a:t>
             </a:r>
+            <a:endParaRPr lang="zh-CN" altLang="en-US"/>
           </a:p>
           <a:p>
             <a:pPr lvl="4"/>
@@ -1544,6 +1572,7 @@
               <a:rPr lang="zh-CN" altLang="en-US"/>
               <a:t>第五级</a:t>
             </a:r>
+            <a:endParaRPr lang="zh-CN" altLang="en-US"/>
           </a:p>
         </p:txBody>
       </p:sp>
@@ -1564,7 +1593,6 @@
           <a:p>
             <a:fld id="{D997B5FA-0921-464F-AAE1-844C04324D75}" type="datetimeFigureOut">
               <a:rPr lang="zh-CN" altLang="en-US" smtClean="0"/>
-              <a:t>2020/9/24</a:t>
             </a:fld>
             <a:endParaRPr lang="zh-CN" altLang="en-US"/>
           </a:p>
@@ -1606,7 +1634,6 @@
           <a:p>
             <a:fld id="{565CE74E-AB26-4998-AD42-012C4C1AD076}" type="slidenum">
               <a:rPr lang="zh-CN" altLang="en-US" smtClean="0"/>
-              <a:t>‹#›</a:t>
             </a:fld>
             <a:endParaRPr lang="zh-CN" altLang="en-US"/>
           </a:p>
@@ -1656,6 +1683,7 @@
               <a:rPr lang="zh-CN" altLang="en-US"/>
               <a:t>单击此处编辑母版标题样式</a:t>
             </a:r>
+            <a:endParaRPr lang="zh-CN" altLang="en-US"/>
           </a:p>
         </p:txBody>
       </p:sp>
@@ -1676,7 +1704,6 @@
           <a:p>
             <a:fld id="{D997B5FA-0921-464F-AAE1-844C04324D75}" type="datetimeFigureOut">
               <a:rPr lang="zh-CN" altLang="en-US" smtClean="0"/>
-              <a:t>2020/9/24</a:t>
             </a:fld>
             <a:endParaRPr lang="zh-CN" altLang="en-US"/>
           </a:p>
@@ -1718,7 +1745,6 @@
           <a:p>
             <a:fld id="{565CE74E-AB26-4998-AD42-012C4C1AD076}" type="slidenum">
               <a:rPr lang="zh-CN" altLang="en-US" smtClean="0"/>
-              <a:t>‹#›</a:t>
             </a:fld>
             <a:endParaRPr lang="zh-CN" altLang="en-US"/>
           </a:p>
@@ -1766,7 +1792,6 @@
           <a:p>
             <a:fld id="{D997B5FA-0921-464F-AAE1-844C04324D75}" type="datetimeFigureOut">
               <a:rPr lang="zh-CN" altLang="en-US" smtClean="0"/>
-              <a:t>2020/9/24</a:t>
             </a:fld>
             <a:endParaRPr lang="zh-CN" altLang="en-US"/>
           </a:p>
@@ -1808,7 +1833,6 @@
           <a:p>
             <a:fld id="{565CE74E-AB26-4998-AD42-012C4C1AD076}" type="slidenum">
               <a:rPr lang="zh-CN" altLang="en-US" smtClean="0"/>
-              <a:t>‹#›</a:t>
             </a:fld>
             <a:endParaRPr lang="zh-CN" altLang="en-US"/>
           </a:p>
@@ -1867,6 +1891,7 @@
               <a:rPr lang="zh-CN" altLang="en-US"/>
               <a:t>单击此处编辑母版标题样式</a:t>
             </a:r>
+            <a:endParaRPr lang="zh-CN" altLang="en-US"/>
           </a:p>
         </p:txBody>
       </p:sp>
@@ -1923,6 +1948,7 @@
               <a:rPr lang="zh-CN" altLang="en-US"/>
               <a:t>单击此处编辑母版文本样式</a:t>
             </a:r>
+            <a:endParaRPr lang="zh-CN" altLang="en-US"/>
           </a:p>
           <a:p>
             <a:pPr lvl="1"/>
@@ -1930,6 +1956,7 @@
               <a:rPr lang="zh-CN" altLang="en-US"/>
               <a:t>第二级</a:t>
             </a:r>
+            <a:endParaRPr lang="zh-CN" altLang="en-US"/>
           </a:p>
           <a:p>
             <a:pPr lvl="2"/>
@@ -1937,6 +1964,7 @@
               <a:rPr lang="zh-CN" altLang="en-US"/>
               <a:t>第三级</a:t>
             </a:r>
+            <a:endParaRPr lang="zh-CN" altLang="en-US"/>
           </a:p>
           <a:p>
             <a:pPr lvl="3"/>
@@ -1944,6 +1972,7 @@
               <a:rPr lang="zh-CN" altLang="en-US"/>
               <a:t>第四级</a:t>
             </a:r>
+            <a:endParaRPr lang="zh-CN" altLang="en-US"/>
           </a:p>
           <a:p>
             <a:pPr lvl="4"/>
@@ -1951,6 +1980,7 @@
               <a:rPr lang="zh-CN" altLang="en-US"/>
               <a:t>第五级</a:t>
             </a:r>
+            <a:endParaRPr lang="zh-CN" altLang="en-US"/>
           </a:p>
         </p:txBody>
       </p:sp>
@@ -2016,6 +2046,7 @@
               <a:rPr lang="zh-CN" altLang="en-US"/>
               <a:t>单击此处编辑母版文本样式</a:t>
             </a:r>
+            <a:endParaRPr lang="zh-CN" altLang="en-US"/>
           </a:p>
         </p:txBody>
       </p:sp>
@@ -2036,7 +2067,6 @@
           <a:p>
             <a:fld id="{D997B5FA-0921-464F-AAE1-844C04324D75}" type="datetimeFigureOut">
               <a:rPr lang="zh-CN" altLang="en-US" smtClean="0"/>
-              <a:t>2020/9/24</a:t>
             </a:fld>
             <a:endParaRPr lang="zh-CN" altLang="en-US"/>
           </a:p>
@@ -2078,7 +2108,6 @@
           <a:p>
             <a:fld id="{565CE74E-AB26-4998-AD42-012C4C1AD076}" type="slidenum">
               <a:rPr lang="zh-CN" altLang="en-US" smtClean="0"/>
-              <a:t>‹#›</a:t>
             </a:fld>
             <a:endParaRPr lang="zh-CN" altLang="en-US"/>
           </a:p>
@@ -2137,6 +2166,7 @@
               <a:rPr lang="zh-CN" altLang="en-US"/>
               <a:t>单击此处编辑母版标题样式</a:t>
             </a:r>
+            <a:endParaRPr lang="zh-CN" altLang="en-US"/>
           </a:p>
         </p:txBody>
       </p:sp>
@@ -2263,6 +2293,7 @@
               <a:rPr lang="zh-CN" altLang="en-US"/>
               <a:t>单击此处编辑母版文本样式</a:t>
             </a:r>
+            <a:endParaRPr lang="zh-CN" altLang="en-US"/>
           </a:p>
         </p:txBody>
       </p:sp>
@@ -2283,7 +2314,6 @@
           <a:p>
             <a:fld id="{D997B5FA-0921-464F-AAE1-844C04324D75}" type="datetimeFigureOut">
               <a:rPr lang="zh-CN" altLang="en-US" smtClean="0"/>
-              <a:t>2020/9/24</a:t>
             </a:fld>
             <a:endParaRPr lang="zh-CN" altLang="en-US"/>
           </a:p>
@@ -2325,7 +2355,6 @@
           <a:p>
             <a:fld id="{565CE74E-AB26-4998-AD42-012C4C1AD076}" type="slidenum">
               <a:rPr lang="zh-CN" altLang="en-US" smtClean="0"/>
-              <a:t>‹#›</a:t>
             </a:fld>
             <a:endParaRPr lang="zh-CN" altLang="en-US"/>
           </a:p>
@@ -2390,6 +2419,7 @@
               <a:rPr lang="zh-CN" altLang="en-US"/>
               <a:t>单击此处编辑母版标题样式</a:t>
             </a:r>
+            <a:endParaRPr lang="zh-CN" altLang="en-US"/>
           </a:p>
         </p:txBody>
       </p:sp>
@@ -2423,6 +2453,7 @@
               <a:rPr lang="zh-CN" altLang="en-US"/>
               <a:t>单击此处编辑母版文本样式</a:t>
             </a:r>
+            <a:endParaRPr lang="zh-CN" altLang="en-US"/>
           </a:p>
           <a:p>
             <a:pPr lvl="1"/>
@@ -2430,6 +2461,7 @@
               <a:rPr lang="zh-CN" altLang="en-US"/>
               <a:t>第二级</a:t>
             </a:r>
+            <a:endParaRPr lang="zh-CN" altLang="en-US"/>
           </a:p>
           <a:p>
             <a:pPr lvl="2"/>
@@ -2437,6 +2469,7 @@
               <a:rPr lang="zh-CN" altLang="en-US"/>
               <a:t>第三级</a:t>
             </a:r>
+            <a:endParaRPr lang="zh-CN" altLang="en-US"/>
           </a:p>
           <a:p>
             <a:pPr lvl="3"/>
@@ -2444,6 +2477,7 @@
               <a:rPr lang="zh-CN" altLang="en-US"/>
               <a:t>第四级</a:t>
             </a:r>
+            <a:endParaRPr lang="zh-CN" altLang="en-US"/>
           </a:p>
           <a:p>
             <a:pPr lvl="4"/>
@@ -2451,6 +2485,7 @@
               <a:rPr lang="zh-CN" altLang="en-US"/>
               <a:t>第五级</a:t>
             </a:r>
+            <a:endParaRPr lang="zh-CN" altLang="en-US"/>
           </a:p>
         </p:txBody>
       </p:sp>
@@ -2489,7 +2524,6 @@
           <a:p>
             <a:fld id="{D997B5FA-0921-464F-AAE1-844C04324D75}" type="datetimeFigureOut">
               <a:rPr lang="zh-CN" altLang="en-US" smtClean="0"/>
-              <a:t>2020/9/24</a:t>
             </a:fld>
             <a:endParaRPr lang="zh-CN" altLang="en-US"/>
           </a:p>
@@ -2567,7 +2601,6 @@
           <a:p>
             <a:fld id="{565CE74E-AB26-4998-AD42-012C4C1AD076}" type="slidenum">
               <a:rPr lang="zh-CN" altLang="en-US" smtClean="0"/>
-              <a:t>‹#›</a:t>
             </a:fld>
             <a:endParaRPr lang="zh-CN" altLang="en-US"/>
           </a:p>
@@ -2927,6 +2960,7 @@
               <a:rPr lang="zh-CN" altLang="en-US"/>
               <a:t>Paragraph</a:t>
             </a:r>
+            <a:endParaRPr lang="zh-CN" altLang="en-US"/>
           </a:p>
         </p:txBody>
       </p:sp>
@@ -2938,8 +2972,8 @@
         </p:nvSpPr>
         <p:spPr>
           <a:xfrm>
-            <a:off x="1931670" y="647519"/>
-            <a:ext cx="2236470" cy="774065"/>
+            <a:off x="120650" y="704215"/>
+            <a:ext cx="2056765" cy="774065"/>
           </a:xfrm>
           <a:prstGeom prst="rect">
             <a:avLst/>
@@ -3209,17 +3243,10 @@
           <a:p>
             <a:pPr algn="ctr"/>
             <a:r>
-              <a:rPr lang="zh-CN" altLang="en-US" b="1"/>
-              <a:t>style</a:t>
-            </a:r>
-            <a:endParaRPr lang="zh-CN" altLang="en-US"/>
-          </a:p>
-          <a:p>
-            <a:pPr algn="ctr"/>
-            <a:r>
               <a:rPr lang="zh-CN" altLang="en-US" i="1"/>
-              <a:t>_ParagraphStyle</a:t>
-            </a:r>
+              <a:t>ParagraphStyle</a:t>
+            </a:r>
+            <a:endParaRPr lang="zh-CN" altLang="en-US" i="1"/>
           </a:p>
         </p:txBody>
       </p:sp>
@@ -3231,8 +3258,8 @@
         </p:nvSpPr>
         <p:spPr>
           <a:xfrm>
-            <a:off x="1931670" y="1802584"/>
-            <a:ext cx="2357755" cy="595630"/>
+            <a:off x="2320290" y="1588135"/>
+            <a:ext cx="1188720" cy="595630"/>
           </a:xfrm>
           <a:prstGeom prst="rect">
             <a:avLst/>
@@ -3283,17 +3310,17 @@
           </a:prstGeom>
         </p:spPr>
         <p:style>
-          <a:lnRef idx="2">
-            <a:schemeClr val="accent1"/>
+          <a:lnRef idx="1">
+            <a:schemeClr val="dk1"/>
           </a:lnRef>
-          <a:fillRef idx="1">
-            <a:schemeClr val="lt1"/>
+          <a:fillRef idx="3">
+            <a:schemeClr val="dk1"/>
           </a:fillRef>
-          <a:effectRef idx="0">
-            <a:schemeClr val="accent1"/>
+          <a:effectRef idx="2">
+            <a:schemeClr val="dk1"/>
           </a:effectRef>
           <a:fontRef idx="minor">
-            <a:schemeClr val="dk1"/>
+            <a:schemeClr val="lt1"/>
           </a:fontRef>
         </p:style>
         <p:txBody>
@@ -3302,48 +3329,17 @@
           <a:p>
             <a:pPr algn="ctr"/>
             <a:r>
+              <a:rPr lang="en-US" altLang="zh-CN" b="1"/>
+              <a:t>P</a:t>
+            </a:r>
+            <a:r>
               <a:rPr lang="zh-CN" altLang="en-US" b="1"/>
-              <a:t>paragraph_format</a:t>
-            </a:r>
-          </a:p>
-        </p:txBody>
-      </p:sp>
-      <p:cxnSp>
-        <p:nvCxnSpPr>
-          <p:cNvPr id="18" name="直接箭头连接符 17"/>
-          <p:cNvCxnSpPr>
-            <a:stCxn id="4" idx="3"/>
-            <a:endCxn id="5" idx="1"/>
-          </p:cNvCxnSpPr>
-          <p:nvPr/>
-        </p:nvCxnSpPr>
-        <p:spPr>
-          <a:xfrm flipV="1">
-            <a:off x="1561465" y="1034869"/>
-            <a:ext cx="370205" cy="1579245"/>
-          </a:xfrm>
-          <a:prstGeom prst="straightConnector1">
-            <a:avLst/>
-          </a:prstGeom>
-          <a:ln>
-            <a:tailEnd type="arrow"/>
-          </a:ln>
-        </p:spPr>
-        <p:style>
-          <a:lnRef idx="1">
-            <a:schemeClr val="accent1"/>
-          </a:lnRef>
-          <a:fillRef idx="0">
-            <a:schemeClr val="accent1"/>
-          </a:fillRef>
-          <a:effectRef idx="0">
-            <a:schemeClr val="accent1"/>
-          </a:effectRef>
-          <a:fontRef idx="minor">
-            <a:schemeClr val="tx1"/>
-          </a:fontRef>
-        </p:style>
-      </p:cxnSp>
+              <a:t>aragraph_format</a:t>
+            </a:r>
+            <a:endParaRPr lang="zh-CN" altLang="en-US" b="1"/>
+          </a:p>
+        </p:txBody>
+      </p:sp>
       <p:cxnSp>
         <p:nvCxnSpPr>
           <p:cNvPr id="19" name="直接箭头连接符 18"/>
@@ -3354,8 +3350,8 @@
         </p:nvCxnSpPr>
         <p:spPr>
           <a:xfrm flipV="1">
-            <a:off x="1528445" y="2100399"/>
-            <a:ext cx="403225" cy="573405"/>
+            <a:off x="1563370" y="1885950"/>
+            <a:ext cx="756920" cy="525780"/>
           </a:xfrm>
           <a:prstGeom prst="straightConnector1">
             <a:avLst/>
@@ -3418,14 +3414,15 @@
         <p:nvCxnSpPr>
           <p:cNvPr id="21" name="直接箭头连接符 20"/>
           <p:cNvCxnSpPr>
+            <a:stCxn id="4" idx="3"/>
             <a:endCxn id="9" idx="1"/>
           </p:cNvCxnSpPr>
           <p:nvPr/>
         </p:nvCxnSpPr>
         <p:spPr>
           <a:xfrm>
-            <a:off x="1570990" y="2647134"/>
-            <a:ext cx="360680" cy="1256030"/>
+            <a:off x="1561465" y="2614295"/>
+            <a:ext cx="370205" cy="1289050"/>
           </a:xfrm>
           <a:prstGeom prst="straightConnector1">
             <a:avLst/>
@@ -3487,6 +3484,7 @@
               <a:rPr lang="en-US" altLang="zh-CN" b="1"/>
               <a:t>text</a:t>
             </a:r>
+            <a:endParaRPr lang="en-US" altLang="zh-CN" b="1"/>
           </a:p>
           <a:p>
             <a:pPr algn="ctr"/>
@@ -3494,6 +3492,7 @@
               <a:rPr lang="en-US" altLang="zh-CN" i="1"/>
               <a:t>all child run</a:t>
             </a:r>
+            <a:endParaRPr lang="en-US" altLang="zh-CN" i="1"/>
           </a:p>
         </p:txBody>
       </p:sp>
@@ -3534,16 +3533,10 @@
           <a:p>
             <a:pPr algn="ctr"/>
             <a:r>
-              <a:rPr lang="en-US" altLang="zh-CN" b="1"/>
-              <a:t>style</a:t>
-            </a:r>
-          </a:p>
-          <a:p>
-            <a:pPr algn="ctr"/>
-            <a:r>
               <a:rPr lang="en-US" altLang="zh-CN" i="1"/>
-              <a:t>_CharacterStyle</a:t>
-            </a:r>
+              <a:t>CharacterStyle</a:t>
+            </a:r>
+            <a:endParaRPr lang="en-US" altLang="zh-CN" i="1"/>
           </a:p>
         </p:txBody>
       </p:sp>
@@ -3555,8 +3548,8 @@
         </p:nvSpPr>
         <p:spPr>
           <a:xfrm>
-            <a:off x="5106035" y="1478099"/>
-            <a:ext cx="1980000" cy="432000"/>
+            <a:off x="5106035" y="1478280"/>
+            <a:ext cx="1979930" cy="431800"/>
           </a:xfrm>
           <a:prstGeom prst="rect">
             <a:avLst/>
@@ -3583,8 +3576,9 @@
             <a:pPr algn="ctr"/>
             <a:r>
               <a:rPr lang="en-US" altLang="zh-CN" b="1"/>
-              <a:t>font</a:t>
-            </a:r>
+              <a:t>rfont</a:t>
+            </a:r>
+            <a:endParaRPr lang="en-US" altLang="zh-CN" b="1"/>
           </a:p>
         </p:txBody>
       </p:sp>
@@ -3595,8 +3589,8 @@
           <p:nvPr/>
         </p:nvGrpSpPr>
         <p:grpSpPr>
-          <a:xfrm>
-            <a:off x="5106035" y="2174059"/>
+          <a:xfrm rot="0">
+            <a:off x="4723765" y="2280920"/>
             <a:ext cx="3169285" cy="431800"/>
             <a:chOff x="8041" y="4455"/>
             <a:chExt cx="4991" cy="680"/>
@@ -3640,6 +3634,7 @@
                 <a:rPr lang="en-US" altLang="zh-CN" b="1"/>
                 <a:t>bold</a:t>
               </a:r>
+              <a:endParaRPr lang="en-US" altLang="zh-CN" b="1"/>
             </a:p>
           </p:txBody>
         </p:sp>
@@ -3681,6 +3676,7 @@
                 <a:rPr lang="en-US" altLang="zh-CN" b="1"/>
                 <a:t>italic</a:t>
               </a:r>
+              <a:endParaRPr lang="en-US" altLang="zh-CN" b="1"/>
             </a:p>
           </p:txBody>
         </p:sp>
@@ -3722,6 +3718,7 @@
                 <a:rPr lang="en-US" altLang="zh-CN" b="1"/>
                 <a:t>underline</a:t>
               </a:r>
+              <a:endParaRPr lang="en-US" altLang="zh-CN" b="1"/>
             </a:p>
           </p:txBody>
         </p:sp>
@@ -3764,8 +3761,9 @@
             <a:pPr algn="ctr"/>
             <a:r>
               <a:rPr lang="en-US" altLang="zh-CN" b="1"/>
-              <a:t>font</a:t>
-            </a:r>
+              <a:t>pfont</a:t>
+            </a:r>
+            <a:endParaRPr lang="en-US" altLang="zh-CN" b="1"/>
           </a:p>
         </p:txBody>
       </p:sp>
@@ -3777,7 +3775,93 @@
         </p:nvSpPr>
         <p:spPr>
           <a:xfrm>
-            <a:off x="5162550" y="4268924"/>
+            <a:off x="5162550" y="4269105"/>
+            <a:ext cx="2103755" cy="431800"/>
+          </a:xfrm>
+          <a:prstGeom prst="rect">
+            <a:avLst/>
+          </a:prstGeom>
+        </p:spPr>
+        <p:style>
+          <a:lnRef idx="2">
+            <a:schemeClr val="dk1">
+              <a:shade val="50000"/>
+            </a:schemeClr>
+          </a:lnRef>
+          <a:fillRef idx="1">
+            <a:schemeClr val="dk1"/>
+          </a:fillRef>
+          <a:effectRef idx="0">
+            <a:schemeClr val="dk1"/>
+          </a:effectRef>
+          <a:fontRef idx="minor">
+            <a:schemeClr val="lt1"/>
+          </a:fontRef>
+        </p:style>
+        <p:txBody>
+          <a:bodyPr rtlCol="0" anchor="ctr"/>
+          <a:lstStyle/>
+          <a:p>
+            <a:pPr algn="ctr"/>
+            <a:r>
+              <a:rPr lang="en-US" altLang="zh-CN" b="1"/>
+              <a:t>sParagraph_format</a:t>
+            </a:r>
+            <a:endParaRPr lang="en-US" altLang="zh-CN" b="1"/>
+          </a:p>
+        </p:txBody>
+      </p:sp>
+      <p:sp>
+        <p:nvSpPr>
+          <p:cNvPr id="33" name="矩形 32"/>
+          <p:cNvSpPr/>
+          <p:nvPr/>
+        </p:nvSpPr>
+        <p:spPr>
+          <a:xfrm>
+            <a:off x="5175250" y="4911090"/>
+            <a:ext cx="2256155" cy="377825"/>
+          </a:xfrm>
+          <a:prstGeom prst="rect">
+            <a:avLst/>
+          </a:prstGeom>
+        </p:spPr>
+        <p:style>
+          <a:lnRef idx="3">
+            <a:schemeClr val="lt1"/>
+          </a:lnRef>
+          <a:fillRef idx="1">
+            <a:schemeClr val="accent6"/>
+          </a:fillRef>
+          <a:effectRef idx="1">
+            <a:schemeClr val="accent6"/>
+          </a:effectRef>
+          <a:fontRef idx="minor">
+            <a:schemeClr val="lt1"/>
+          </a:fontRef>
+        </p:style>
+        <p:txBody>
+          <a:bodyPr rtlCol="0" anchor="ctr"/>
+          <a:lstStyle/>
+          <a:p>
+            <a:pPr algn="ctr"/>
+            <a:r>
+              <a:rPr lang="en-US" altLang="zh-CN" b="1"/>
+              <a:t>next_paragraph_style</a:t>
+            </a:r>
+            <a:endParaRPr lang="en-US" altLang="zh-CN" b="1"/>
+          </a:p>
+        </p:txBody>
+      </p:sp>
+      <p:sp>
+        <p:nvSpPr>
+          <p:cNvPr id="34" name="矩形 33"/>
+          <p:cNvSpPr/>
+          <p:nvPr/>
+        </p:nvSpPr>
+        <p:spPr>
+          <a:xfrm>
+            <a:off x="5171440" y="3118939"/>
             <a:ext cx="1980000" cy="432000"/>
           </a:xfrm>
           <a:prstGeom prst="rect">
@@ -3805,106 +3889,9 @@
             <a:pPr algn="ctr"/>
             <a:r>
               <a:rPr lang="en-US" altLang="zh-CN" b="1"/>
-              <a:t>paragraph_format</a:t>
-            </a:r>
-          </a:p>
-        </p:txBody>
-      </p:sp>
-      <p:sp>
-        <p:nvSpPr>
-          <p:cNvPr id="33" name="矩形 32"/>
-          <p:cNvSpPr/>
-          <p:nvPr/>
-        </p:nvSpPr>
-        <p:spPr>
-          <a:xfrm>
-            <a:off x="4886325" y="4859474"/>
-            <a:ext cx="2256155" cy="535940"/>
-          </a:xfrm>
-          <a:prstGeom prst="rect">
-            <a:avLst/>
-          </a:prstGeom>
-        </p:spPr>
-        <p:style>
-          <a:lnRef idx="2">
-            <a:schemeClr val="accent6"/>
-          </a:lnRef>
-          <a:fillRef idx="1">
-            <a:schemeClr val="lt1"/>
-          </a:fillRef>
-          <a:effectRef idx="0">
-            <a:schemeClr val="accent6"/>
-          </a:effectRef>
-          <a:fontRef idx="minor">
-            <a:schemeClr val="dk1"/>
-          </a:fontRef>
-        </p:style>
-        <p:txBody>
-          <a:bodyPr rtlCol="0" anchor="ctr"/>
-          <a:lstStyle/>
-          <a:p>
-            <a:pPr algn="ctr"/>
-            <a:r>
-              <a:rPr lang="en-US" altLang="zh-CN" b="1"/>
-              <a:t>next_paragraph_style</a:t>
-            </a:r>
-          </a:p>
-          <a:p>
-            <a:pPr algn="ctr"/>
-            <a:r>
-              <a:rPr lang="en-US" altLang="zh-CN" i="1">
-                <a:sym typeface="+mn-ea"/>
-              </a:rPr>
-              <a:t>_</a:t>
-            </a:r>
-            <a:r>
-              <a:rPr lang="zh-CN" altLang="en-US" i="1">
-                <a:sym typeface="+mn-ea"/>
-              </a:rPr>
-              <a:t>ParagraphStyle</a:t>
+              <a:t>base_style</a:t>
             </a:r>
             <a:endParaRPr lang="en-US" altLang="zh-CN" b="1"/>
-          </a:p>
-        </p:txBody>
-      </p:sp>
-      <p:sp>
-        <p:nvSpPr>
-          <p:cNvPr id="34" name="矩形 33"/>
-          <p:cNvSpPr/>
-          <p:nvPr/>
-        </p:nvSpPr>
-        <p:spPr>
-          <a:xfrm>
-            <a:off x="5171440" y="3118939"/>
-            <a:ext cx="1980000" cy="432000"/>
-          </a:xfrm>
-          <a:prstGeom prst="rect">
-            <a:avLst/>
-          </a:prstGeom>
-        </p:spPr>
-        <p:style>
-          <a:lnRef idx="2">
-            <a:schemeClr val="accent6"/>
-          </a:lnRef>
-          <a:fillRef idx="1">
-            <a:schemeClr val="lt1"/>
-          </a:fillRef>
-          <a:effectRef idx="0">
-            <a:schemeClr val="accent6"/>
-          </a:effectRef>
-          <a:fontRef idx="minor">
-            <a:schemeClr val="dk1"/>
-          </a:fontRef>
-        </p:style>
-        <p:txBody>
-          <a:bodyPr rtlCol="0" anchor="ctr"/>
-          <a:lstStyle/>
-          <a:p>
-            <a:pPr algn="ctr"/>
-            <a:r>
-              <a:rPr lang="en-US" altLang="zh-CN" b="1"/>
-              <a:t>base_style</a:t>
-            </a:r>
           </a:p>
         </p:txBody>
       </p:sp>
@@ -3916,7 +3903,7 @@
         </p:nvSpPr>
         <p:spPr>
           <a:xfrm>
-            <a:off x="8795385" y="1148534"/>
+            <a:off x="8822055" y="1148534"/>
             <a:ext cx="1980000" cy="432000"/>
           </a:xfrm>
           <a:prstGeom prst="rect">
@@ -3944,8 +3931,9 @@
             <a:pPr algn="ctr"/>
             <a:r>
               <a:rPr lang="en-US" altLang="zh-CN" b="1"/>
-              <a:t>font</a:t>
-            </a:r>
+              <a:t>rsfont</a:t>
+            </a:r>
+            <a:endParaRPr lang="en-US" altLang="zh-CN" b="1"/>
           </a:p>
         </p:txBody>
       </p:sp>
@@ -3987,6 +3975,7 @@
               <a:rPr lang="en-US" altLang="zh-CN" b="1"/>
               <a:t>base_style</a:t>
             </a:r>
+            <a:endParaRPr lang="en-US" altLang="zh-CN" b="1"/>
           </a:p>
         </p:txBody>
       </p:sp>
@@ -4001,8 +3990,8 @@
         </p:nvCxnSpPr>
         <p:spPr>
           <a:xfrm flipV="1">
-            <a:off x="4289425" y="335099"/>
-            <a:ext cx="816610" cy="1765300"/>
+            <a:off x="3509010" y="335099"/>
+            <a:ext cx="1597025" cy="1550670"/>
           </a:xfrm>
           <a:prstGeom prst="straightConnector1">
             <a:avLst/>
@@ -4037,80 +4026,8 @@
         </p:nvCxnSpPr>
         <p:spPr>
           <a:xfrm flipV="1">
-            <a:off x="4289425" y="1038679"/>
-            <a:ext cx="816610" cy="1061720"/>
-          </a:xfrm>
-          <a:prstGeom prst="straightConnector1">
-            <a:avLst/>
-          </a:prstGeom>
-          <a:ln>
-            <a:tailEnd type="arrow"/>
-          </a:ln>
-        </p:spPr>
-        <p:style>
-          <a:lnRef idx="1">
-            <a:schemeClr val="accent1"/>
-          </a:lnRef>
-          <a:fillRef idx="0">
-            <a:schemeClr val="accent1"/>
-          </a:fillRef>
-          <a:effectRef idx="0">
-            <a:schemeClr val="accent1"/>
-          </a:effectRef>
-          <a:fontRef idx="minor">
-            <a:schemeClr val="tx1"/>
-          </a:fontRef>
-        </p:style>
-      </p:cxnSp>
-      <p:cxnSp>
-        <p:nvCxnSpPr>
-          <p:cNvPr id="42" name="直接箭头连接符 41"/>
-          <p:cNvCxnSpPr>
-            <a:stCxn id="8" idx="3"/>
-            <a:endCxn id="26" idx="1"/>
-          </p:cNvCxnSpPr>
-          <p:nvPr/>
-        </p:nvCxnSpPr>
-        <p:spPr>
-          <a:xfrm flipV="1">
-            <a:off x="4289425" y="1693999"/>
-            <a:ext cx="816610" cy="406400"/>
-          </a:xfrm>
-          <a:prstGeom prst="straightConnector1">
-            <a:avLst/>
-          </a:prstGeom>
-          <a:ln>
-            <a:tailEnd type="arrow"/>
-          </a:ln>
-        </p:spPr>
-        <p:style>
-          <a:lnRef idx="1">
-            <a:schemeClr val="accent1"/>
-          </a:lnRef>
-          <a:fillRef idx="0">
-            <a:schemeClr val="accent1"/>
-          </a:fillRef>
-          <a:effectRef idx="0">
-            <a:schemeClr val="accent1"/>
-          </a:effectRef>
-          <a:fontRef idx="minor">
-            <a:schemeClr val="tx1"/>
-          </a:fontRef>
-        </p:style>
-      </p:cxnSp>
-      <p:cxnSp>
-        <p:nvCxnSpPr>
-          <p:cNvPr id="43" name="直接箭头连接符 42"/>
-          <p:cNvCxnSpPr>
-            <a:stCxn id="8" idx="3"/>
-            <a:endCxn id="27" idx="1"/>
-          </p:cNvCxnSpPr>
-          <p:nvPr/>
-        </p:nvCxnSpPr>
-        <p:spPr>
-          <a:xfrm>
-            <a:off x="4289425" y="2100399"/>
-            <a:ext cx="816610" cy="289560"/>
+            <a:off x="3509010" y="1038679"/>
+            <a:ext cx="1597025" cy="847090"/>
           </a:xfrm>
           <a:prstGeom prst="straightConnector1">
             <a:avLst/>
@@ -4246,14 +4163,15 @@
         <p:nvCxnSpPr>
           <p:cNvPr id="47" name="直接箭头连接符 46"/>
           <p:cNvCxnSpPr>
+            <a:stCxn id="7" idx="3"/>
             <a:endCxn id="33" idx="1"/>
           </p:cNvCxnSpPr>
           <p:nvPr/>
         </p:nvCxnSpPr>
         <p:spPr>
           <a:xfrm>
-            <a:off x="3918585" y="3012259"/>
-            <a:ext cx="967740" cy="2115185"/>
+            <a:off x="3911600" y="3028950"/>
+            <a:ext cx="1263650" cy="2071370"/>
           </a:xfrm>
           <a:prstGeom prst="straightConnector1">
             <a:avLst/>
@@ -4325,7 +4243,7 @@
         <p:spPr>
           <a:xfrm>
             <a:off x="7010400" y="1038679"/>
-            <a:ext cx="1784985" cy="325755"/>
+            <a:ext cx="1811655" cy="325755"/>
           </a:xfrm>
           <a:prstGeom prst="straightConnector1">
             <a:avLst/>
@@ -4349,16 +4267,95 @@
           </a:fontRef>
         </p:style>
       </p:cxnSp>
-      <p:sp>
-        <p:nvSpPr>
-          <p:cNvPr id="50" name="矩形 49"/>
+      <p:cxnSp>
+        <p:nvCxnSpPr>
+          <p:cNvPr id="10" name="直接箭头连接符 9"/>
+          <p:cNvCxnSpPr>
+            <a:stCxn id="8" idx="3"/>
+            <a:endCxn id="26" idx="1"/>
+          </p:cNvCxnSpPr>
+          <p:nvPr/>
+        </p:nvCxnSpPr>
+        <p:spPr>
+          <a:xfrm flipV="1">
+            <a:off x="3509010" y="1694180"/>
+            <a:ext cx="1597025" cy="191770"/>
+          </a:xfrm>
+          <a:prstGeom prst="straightConnector1">
+            <a:avLst/>
+          </a:prstGeom>
+          <a:ln>
+            <a:tailEnd type="arrow"/>
+          </a:ln>
+        </p:spPr>
+        <p:style>
+          <a:lnRef idx="1">
+            <a:schemeClr val="accent1"/>
+          </a:lnRef>
+          <a:fillRef idx="0">
+            <a:schemeClr val="accent1"/>
+          </a:fillRef>
+          <a:effectRef idx="0">
+            <a:schemeClr val="accent1"/>
+          </a:effectRef>
+          <a:fontRef idx="minor">
+            <a:schemeClr val="tx1"/>
+          </a:fontRef>
+        </p:style>
+      </p:cxnSp>
+      <p:cxnSp>
+        <p:nvCxnSpPr>
+          <p:cNvPr id="11" name="直接箭头连接符 10"/>
+          <p:cNvCxnSpPr>
+            <a:stCxn id="26" idx="2"/>
+            <a:endCxn id="28" idx="0"/>
+          </p:cNvCxnSpPr>
+          <p:nvPr/>
+        </p:nvCxnSpPr>
+        <p:spPr>
+          <a:xfrm>
+            <a:off x="6096000" y="1910080"/>
+            <a:ext cx="207645" cy="370840"/>
+          </a:xfrm>
+          <a:prstGeom prst="straightConnector1">
+            <a:avLst/>
+          </a:prstGeom>
+          <a:ln w="38100" cmpd="dbl">
+            <a:solidFill>
+              <a:schemeClr val="accent1">
+                <a:shade val="50000"/>
+              </a:schemeClr>
+            </a:solidFill>
+            <a:prstDash val="solid"/>
+            <a:headEnd type="arrow"/>
+            <a:tailEnd type="arrow"/>
+          </a:ln>
+        </p:spPr>
+        <p:style>
+          <a:lnRef idx="1">
+            <a:schemeClr val="accent1"/>
+          </a:lnRef>
+          <a:fillRef idx="0">
+            <a:schemeClr val="accent1"/>
+          </a:fillRef>
+          <a:effectRef idx="0">
+            <a:schemeClr val="accent1"/>
+          </a:effectRef>
+          <a:fontRef idx="minor">
+            <a:schemeClr val="tx1"/>
+          </a:fontRef>
+        </p:style>
+      </p:cxnSp>
+      <p:sp>
+        <p:nvSpPr>
+          <p:cNvPr id="12" name="矩形 11"/>
           <p:cNvSpPr/>
           <p:nvPr/>
         </p:nvSpPr>
         <p:spPr>
           <a:xfrm>
-            <a:off x="8201025" y="2772363"/>
-            <a:ext cx="2088000" cy="432000"/>
+            <a:off x="8795385" y="91259"/>
+            <a:ext cx="1980000" cy="432000"/>
           </a:xfrm>
           <a:prstGeom prst="rect">
             <a:avLst/>
@@ -4366,13 +4363,13 @@
         </p:spPr>
         <p:style>
           <a:lnRef idx="2">
-            <a:schemeClr val="accent4"/>
+            <a:schemeClr val="accent5"/>
           </a:lnRef>
           <a:fillRef idx="1">
             <a:schemeClr val="lt1"/>
           </a:fillRef>
           <a:effectRef idx="0">
-            <a:schemeClr val="accent4"/>
+            <a:schemeClr val="accent5"/>
           </a:effectRef>
           <a:fontRef idx="minor">
             <a:schemeClr val="dk1"/>
@@ -4380,35 +4377,532 @@
         </p:style>
         <p:txBody>
           <a:bodyPr rtlCol="0" anchor="ctr"/>
-          <a:lstStyle/>
           <a:p>
             <a:pPr algn="ctr"/>
             <a:r>
-              <a:rPr lang="en-US" altLang="zh-CN" b="1" dirty="0" err="1"/>
-              <a:t>small_caps</a:t>
-            </a:r>
-            <a:r>
-              <a:rPr lang="en-US" altLang="zh-CN" b="1" dirty="0"/>
-              <a:t>/</a:t>
-            </a:r>
-            <a:r>
-              <a:rPr lang="en-US" altLang="zh-CN" b="1" dirty="0" err="1"/>
-              <a:t>all_caps</a:t>
-            </a:r>
-            <a:endParaRPr lang="en-US" altLang="zh-CN" b="1" dirty="0"/>
-          </a:p>
-        </p:txBody>
-      </p:sp>
-      <p:sp>
-        <p:nvSpPr>
-          <p:cNvPr id="51" name="矩形 50"/>
+              <a:rPr lang="en-US" altLang="zh-CN" b="1"/>
+              <a:t>name</a:t>
+            </a:r>
+            <a:endParaRPr lang="en-US" altLang="zh-CN" b="1"/>
+          </a:p>
+        </p:txBody>
+      </p:sp>
+      <p:cxnSp>
+        <p:nvCxnSpPr>
+          <p:cNvPr id="14" name="直接箭头连接符 13"/>
+          <p:cNvCxnSpPr>
+            <a:stCxn id="25" idx="3"/>
+            <a:endCxn id="12" idx="1"/>
+          </p:cNvCxnSpPr>
+          <p:nvPr/>
+        </p:nvCxnSpPr>
+        <p:spPr>
+          <a:xfrm flipV="1">
+            <a:off x="7010400" y="307340"/>
+            <a:ext cx="1784985" cy="731520"/>
+          </a:xfrm>
+          <a:prstGeom prst="straightConnector1">
+            <a:avLst/>
+          </a:prstGeom>
+          <a:ln>
+            <a:tailEnd type="arrow"/>
+          </a:ln>
+        </p:spPr>
+        <p:style>
+          <a:lnRef idx="1">
+            <a:schemeClr val="accent1"/>
+          </a:lnRef>
+          <a:fillRef idx="0">
+            <a:schemeClr val="accent1"/>
+          </a:fillRef>
+          <a:effectRef idx="0">
+            <a:schemeClr val="accent1"/>
+          </a:effectRef>
+          <a:fontRef idx="minor">
+            <a:schemeClr val="tx1"/>
+          </a:fontRef>
+        </p:style>
+      </p:cxnSp>
+      <p:cxnSp>
+        <p:nvCxnSpPr>
+          <p:cNvPr id="16" name="直接箭头连接符 15"/>
+          <p:cNvCxnSpPr>
+            <a:stCxn id="31" idx="3"/>
+          </p:cNvCxnSpPr>
+          <p:nvPr/>
+        </p:nvCxnSpPr>
+        <p:spPr>
+          <a:xfrm>
+            <a:off x="7142480" y="3923030"/>
+            <a:ext cx="1016635" cy="24765"/>
+          </a:xfrm>
+          <a:prstGeom prst="straightConnector1">
+            <a:avLst/>
+          </a:prstGeom>
+          <a:ln w="25400" cmpd="thickThin">
+            <a:prstDash val="solid"/>
+            <a:tailEnd type="arrow"/>
+          </a:ln>
+        </p:spPr>
+        <p:style>
+          <a:lnRef idx="1">
+            <a:schemeClr val="accent1"/>
+          </a:lnRef>
+          <a:fillRef idx="0">
+            <a:schemeClr val="accent1"/>
+          </a:fillRef>
+          <a:effectRef idx="0">
+            <a:schemeClr val="accent1"/>
+          </a:effectRef>
+          <a:fontRef idx="minor">
+            <a:schemeClr val="tx1"/>
+          </a:fontRef>
+        </p:style>
+      </p:cxnSp>
+      <p:grpSp>
+        <p:nvGrpSpPr>
+          <p:cNvPr id="56" name="组合 55"/>
+          <p:cNvGrpSpPr/>
+          <p:nvPr/>
+        </p:nvGrpSpPr>
+        <p:grpSpPr>
+          <a:xfrm>
+            <a:off x="8159115" y="2903220"/>
+            <a:ext cx="3168650" cy="3713480"/>
+            <a:chOff x="12915" y="4366"/>
+            <a:chExt cx="4990" cy="5848"/>
+          </a:xfrm>
+          <a:solidFill>
+            <a:schemeClr val="accent1">
+              <a:lumMod val="40000"/>
+              <a:lumOff val="60000"/>
+            </a:schemeClr>
+          </a:solidFill>
+        </p:grpSpPr>
+        <p:sp>
+          <p:nvSpPr>
+            <p:cNvPr id="50" name="矩形 49"/>
+            <p:cNvSpPr/>
+            <p:nvPr/>
+          </p:nvSpPr>
+          <p:spPr>
+            <a:xfrm>
+              <a:off x="12915" y="4366"/>
+              <a:ext cx="3288" cy="680"/>
+            </a:xfrm>
+            <a:prstGeom prst="rect">
+              <a:avLst/>
+            </a:prstGeom>
+            <a:grpFill/>
+            <a:ln>
+              <a:solidFill>
+                <a:schemeClr val="accent2"/>
+              </a:solidFill>
+            </a:ln>
+          </p:spPr>
+          <p:style>
+            <a:lnRef idx="2">
+              <a:schemeClr val="accent4"/>
+            </a:lnRef>
+            <a:fillRef idx="1">
+              <a:schemeClr val="lt1"/>
+            </a:fillRef>
+            <a:effectRef idx="0">
+              <a:schemeClr val="accent4"/>
+            </a:effectRef>
+            <a:fontRef idx="minor">
+              <a:schemeClr val="dk1"/>
+            </a:fontRef>
+          </p:style>
+          <p:txBody>
+            <a:bodyPr rtlCol="0" anchor="ctr"/>
+            <a:lstStyle/>
+            <a:p>
+              <a:pPr algn="ctr"/>
+              <a:r>
+                <a:rPr lang="en-US" altLang="zh-CN" b="1" dirty="0" err="1"/>
+                <a:t>small_caps</a:t>
+              </a:r>
+              <a:r>
+                <a:rPr lang="en-US" altLang="zh-CN" b="1" dirty="0"/>
+                <a:t>/</a:t>
+              </a:r>
+              <a:r>
+                <a:rPr lang="en-US" altLang="zh-CN" b="1" dirty="0" err="1"/>
+                <a:t>all_caps</a:t>
+              </a:r>
+              <a:endParaRPr lang="en-US" altLang="zh-CN" b="1" dirty="0"/>
+            </a:p>
+          </p:txBody>
+        </p:sp>
+        <p:sp>
+          <p:nvSpPr>
+            <p:cNvPr id="51" name="矩形 50"/>
+            <p:cNvSpPr/>
+            <p:nvPr/>
+          </p:nvSpPr>
+          <p:spPr>
+            <a:xfrm>
+              <a:off x="12915" y="5406"/>
+              <a:ext cx="3288" cy="875"/>
+            </a:xfrm>
+            <a:prstGeom prst="rect">
+              <a:avLst/>
+            </a:prstGeom>
+            <a:grpFill/>
+            <a:ln>
+              <a:solidFill>
+                <a:schemeClr val="accent2"/>
+              </a:solidFill>
+            </a:ln>
+          </p:spPr>
+          <p:style>
+            <a:lnRef idx="2">
+              <a:schemeClr val="accent4"/>
+            </a:lnRef>
+            <a:fillRef idx="1">
+              <a:schemeClr val="lt1"/>
+            </a:fillRef>
+            <a:effectRef idx="0">
+              <a:schemeClr val="accent4"/>
+            </a:effectRef>
+            <a:fontRef idx="minor">
+              <a:schemeClr val="dk1"/>
+            </a:fontRef>
+          </p:style>
+          <p:txBody>
+            <a:bodyPr rtlCol="0" anchor="ctr"/>
+            <a:lstStyle/>
+            <a:p>
+              <a:pPr algn="ctr"/>
+              <a:r>
+                <a:rPr lang="en-US" altLang="zh-CN" b="1"/>
+                <a:t>color</a:t>
+              </a:r>
+              <a:endParaRPr lang="en-US" altLang="zh-CN" b="1"/>
+            </a:p>
+            <a:p>
+              <a:pPr algn="ctr"/>
+              <a:r>
+                <a:rPr lang="en-US" altLang="zh-CN" b="1"/>
+                <a:t>ColorFormat</a:t>
+              </a:r>
+              <a:endParaRPr lang="en-US" altLang="zh-CN" b="1"/>
+            </a:p>
+          </p:txBody>
+        </p:sp>
+        <p:sp>
+          <p:nvSpPr>
+            <p:cNvPr id="52" name="矩形 51"/>
+            <p:cNvSpPr/>
+            <p:nvPr/>
+          </p:nvSpPr>
+          <p:spPr>
+            <a:xfrm>
+              <a:off x="12915" y="6556"/>
+              <a:ext cx="3288" cy="680"/>
+            </a:xfrm>
+            <a:prstGeom prst="rect">
+              <a:avLst/>
+            </a:prstGeom>
+            <a:grpFill/>
+            <a:ln>
+              <a:solidFill>
+                <a:schemeClr val="accent2"/>
+              </a:solidFill>
+            </a:ln>
+          </p:spPr>
+          <p:style>
+            <a:lnRef idx="2">
+              <a:schemeClr val="accent4"/>
+            </a:lnRef>
+            <a:fillRef idx="1">
+              <a:schemeClr val="lt1"/>
+            </a:fillRef>
+            <a:effectRef idx="0">
+              <a:schemeClr val="accent4"/>
+            </a:effectRef>
+            <a:fontRef idx="minor">
+              <a:schemeClr val="dk1"/>
+            </a:fontRef>
+          </p:style>
+          <p:txBody>
+            <a:bodyPr rtlCol="0" anchor="ctr"/>
+            <a:lstStyle/>
+            <a:p>
+              <a:pPr algn="ctr"/>
+              <a:r>
+                <a:rPr lang="en-US" altLang="zh-CN" b="1"/>
+                <a:t>size</a:t>
+              </a:r>
+              <a:endParaRPr lang="en-US" altLang="zh-CN" b="1"/>
+            </a:p>
+          </p:txBody>
+        </p:sp>
+        <p:sp>
+          <p:nvSpPr>
+            <p:cNvPr id="53" name="矩形 52"/>
+            <p:cNvSpPr/>
+            <p:nvPr/>
+          </p:nvSpPr>
+          <p:spPr>
+            <a:xfrm>
+              <a:off x="12915" y="7525"/>
+              <a:ext cx="3288" cy="680"/>
+            </a:xfrm>
+            <a:prstGeom prst="rect">
+              <a:avLst/>
+            </a:prstGeom>
+            <a:grpFill/>
+            <a:ln>
+              <a:solidFill>
+                <a:schemeClr val="accent2"/>
+              </a:solidFill>
+            </a:ln>
+          </p:spPr>
+          <p:style>
+            <a:lnRef idx="2">
+              <a:schemeClr val="accent4"/>
+            </a:lnRef>
+            <a:fillRef idx="1">
+              <a:schemeClr val="lt1"/>
+            </a:fillRef>
+            <a:effectRef idx="0">
+              <a:schemeClr val="accent4"/>
+            </a:effectRef>
+            <a:fontRef idx="minor">
+              <a:schemeClr val="dk1"/>
+            </a:fontRef>
+          </p:style>
+          <p:txBody>
+            <a:bodyPr rtlCol="0" anchor="ctr"/>
+            <a:lstStyle/>
+            <a:p>
+              <a:pPr algn="ctr"/>
+              <a:r>
+                <a:rPr lang="en-US" altLang="zh-CN" b="1" dirty="0"/>
+                <a:t>Name/Asia</a:t>
+              </a:r>
+              <a:endParaRPr lang="en-US" altLang="zh-CN" b="1" dirty="0"/>
+            </a:p>
+          </p:txBody>
+        </p:sp>
+        <p:sp>
+          <p:nvSpPr>
+            <p:cNvPr id="54" name="矩形 53"/>
+            <p:cNvSpPr/>
+            <p:nvPr/>
+          </p:nvSpPr>
+          <p:spPr>
+            <a:xfrm>
+              <a:off x="12915" y="8405"/>
+              <a:ext cx="3288" cy="680"/>
+            </a:xfrm>
+            <a:prstGeom prst="rect">
+              <a:avLst/>
+            </a:prstGeom>
+            <a:grpFill/>
+            <a:ln>
+              <a:solidFill>
+                <a:schemeClr val="accent2"/>
+              </a:solidFill>
+            </a:ln>
+          </p:spPr>
+          <p:style>
+            <a:lnRef idx="2">
+              <a:schemeClr val="accent4"/>
+            </a:lnRef>
+            <a:fillRef idx="1">
+              <a:schemeClr val="lt1"/>
+            </a:fillRef>
+            <a:effectRef idx="0">
+              <a:schemeClr val="accent4"/>
+            </a:effectRef>
+            <a:fontRef idx="minor">
+              <a:schemeClr val="dk1"/>
+            </a:fontRef>
+          </p:style>
+          <p:txBody>
+            <a:bodyPr rtlCol="0" anchor="ctr"/>
+            <a:lstStyle/>
+            <a:p>
+              <a:pPr algn="ctr"/>
+              <a:r>
+                <a:rPr lang="en-US" altLang="zh-CN" b="1"/>
+                <a:t>shadow</a:t>
+              </a:r>
+              <a:endParaRPr lang="en-US" altLang="zh-CN" b="1"/>
+            </a:p>
+          </p:txBody>
+        </p:sp>
+        <p:grpSp>
+          <p:nvGrpSpPr>
+            <p:cNvPr id="36" name="组合 35"/>
+            <p:cNvGrpSpPr/>
+            <p:nvPr/>
+          </p:nvGrpSpPr>
+          <p:grpSpPr>
+            <a:xfrm rot="0">
+              <a:off x="12915" y="9534"/>
+              <a:ext cx="4991" cy="680"/>
+              <a:chOff x="8041" y="4455"/>
+              <a:chExt cx="4991" cy="680"/>
+            </a:xfrm>
+            <a:grpFill/>
+          </p:grpSpPr>
+          <p:sp>
+            <p:nvSpPr>
+              <p:cNvPr id="37" name="矩形 36"/>
+              <p:cNvSpPr/>
+              <p:nvPr/>
+            </p:nvSpPr>
+            <p:spPr>
+              <a:xfrm>
+                <a:off x="8041" y="4455"/>
+                <a:ext cx="1753" cy="680"/>
+              </a:xfrm>
+              <a:prstGeom prst="rect">
+                <a:avLst/>
+              </a:prstGeom>
+              <a:grpFill/>
+              <a:ln>
+                <a:solidFill>
+                  <a:schemeClr val="accent2"/>
+                </a:solidFill>
+              </a:ln>
+            </p:spPr>
+            <p:style>
+              <a:lnRef idx="2">
+                <a:schemeClr val="accent2"/>
+              </a:lnRef>
+              <a:fillRef idx="1">
+                <a:schemeClr val="lt1"/>
+              </a:fillRef>
+              <a:effectRef idx="0">
+                <a:schemeClr val="accent2"/>
+              </a:effectRef>
+              <a:fontRef idx="minor">
+                <a:schemeClr val="dk1"/>
+              </a:fontRef>
+            </p:style>
+            <p:txBody>
+              <a:bodyPr rtlCol="0" anchor="ctr"/>
+              <a:p>
+                <a:pPr algn="ctr"/>
+                <a:r>
+                  <a:rPr lang="en-US" altLang="zh-CN" b="1"/>
+                  <a:t>bold</a:t>
+                </a:r>
+                <a:endParaRPr lang="en-US" altLang="zh-CN" b="1"/>
+              </a:p>
+            </p:txBody>
+          </p:sp>
+          <p:sp>
+            <p:nvSpPr>
+              <p:cNvPr id="40" name="矩形 39"/>
+              <p:cNvSpPr/>
+              <p:nvPr/>
+            </p:nvSpPr>
+            <p:spPr>
+              <a:xfrm>
+                <a:off x="9809" y="4455"/>
+                <a:ext cx="1439" cy="680"/>
+              </a:xfrm>
+              <a:prstGeom prst="rect">
+                <a:avLst/>
+              </a:prstGeom>
+              <a:grpFill/>
+              <a:ln>
+                <a:solidFill>
+                  <a:schemeClr val="accent2"/>
+                </a:solidFill>
+              </a:ln>
+            </p:spPr>
+            <p:style>
+              <a:lnRef idx="2">
+                <a:schemeClr val="accent2"/>
+              </a:lnRef>
+              <a:fillRef idx="1">
+                <a:schemeClr val="lt1"/>
+              </a:fillRef>
+              <a:effectRef idx="0">
+                <a:schemeClr val="accent2"/>
+              </a:effectRef>
+              <a:fontRef idx="minor">
+                <a:schemeClr val="dk1"/>
+              </a:fontRef>
+            </p:style>
+            <p:txBody>
+              <a:bodyPr rtlCol="0" anchor="ctr"/>
+              <a:p>
+                <a:pPr algn="ctr"/>
+                <a:r>
+                  <a:rPr lang="en-US" altLang="zh-CN" b="1"/>
+                  <a:t>italic</a:t>
+                </a:r>
+                <a:endParaRPr lang="en-US" altLang="zh-CN" b="1"/>
+              </a:p>
+            </p:txBody>
+          </p:sp>
+          <p:sp>
+            <p:nvSpPr>
+              <p:cNvPr id="55" name="矩形 54"/>
+              <p:cNvSpPr/>
+              <p:nvPr/>
+            </p:nvSpPr>
+            <p:spPr>
+              <a:xfrm>
+                <a:off x="11262" y="4455"/>
+                <a:ext cx="1770" cy="680"/>
+              </a:xfrm>
+              <a:prstGeom prst="rect">
+                <a:avLst/>
+              </a:prstGeom>
+              <a:grpFill/>
+              <a:ln>
+                <a:solidFill>
+                  <a:schemeClr val="accent2"/>
+                </a:solidFill>
+              </a:ln>
+            </p:spPr>
+            <p:style>
+              <a:lnRef idx="2">
+                <a:schemeClr val="accent2"/>
+              </a:lnRef>
+              <a:fillRef idx="1">
+                <a:schemeClr val="lt1"/>
+              </a:fillRef>
+              <a:effectRef idx="0">
+                <a:schemeClr val="accent2"/>
+              </a:effectRef>
+              <a:fontRef idx="minor">
+                <a:schemeClr val="dk1"/>
+              </a:fontRef>
+            </p:style>
+            <p:txBody>
+              <a:bodyPr rtlCol="0" anchor="ctr"/>
+              <a:p>
+                <a:pPr algn="ctr"/>
+                <a:r>
+                  <a:rPr lang="en-US" altLang="zh-CN" b="1"/>
+                  <a:t>underline</a:t>
+                </a:r>
+                <a:endParaRPr lang="en-US" altLang="zh-CN" b="1"/>
+              </a:p>
+            </p:txBody>
+          </p:sp>
+        </p:grpSp>
+      </p:grpSp>
+      <p:sp>
+        <p:nvSpPr>
+          <p:cNvPr id="57" name="矩形 56"/>
           <p:cNvSpPr/>
           <p:nvPr/>
         </p:nvSpPr>
         <p:spPr>
           <a:xfrm>
-            <a:off x="8201025" y="3432559"/>
-            <a:ext cx="2087880" cy="555625"/>
+            <a:off x="2237740" y="4485005"/>
+            <a:ext cx="1390015" cy="447040"/>
           </a:xfrm>
           <a:prstGeom prst="rect">
             <a:avLst/>
@@ -4416,13 +4910,13 @@
         </p:spPr>
         <p:style>
           <a:lnRef idx="2">
-            <a:schemeClr val="accent4"/>
+            <a:schemeClr val="dk1"/>
           </a:lnRef>
           <a:fillRef idx="1">
             <a:schemeClr val="lt1"/>
           </a:fillRef>
           <a:effectRef idx="0">
-            <a:schemeClr val="accent4"/>
+            <a:schemeClr val="dk1"/>
           </a:effectRef>
           <a:fontRef idx="minor">
             <a:schemeClr val="dk1"/>
@@ -4430,33 +4924,115 @@
         </p:style>
         <p:txBody>
           <a:bodyPr rtlCol="0" anchor="ctr"/>
-          <a:lstStyle/>
           <a:p>
             <a:pPr algn="ctr"/>
             <a:r>
-              <a:rPr lang="en-US" altLang="zh-CN" b="1"/>
-              <a:t>color</a:t>
-            </a:r>
-          </a:p>
-          <a:p>
-            <a:pPr algn="ctr"/>
-            <a:r>
-              <a:rPr lang="en-US" altLang="zh-CN" b="1"/>
-              <a:t>ColorFormat</a:t>
-            </a:r>
-          </a:p>
-        </p:txBody>
-      </p:sp>
-      <p:sp>
-        <p:nvSpPr>
-          <p:cNvPr id="52" name="矩形 51"/>
+              <a:rPr lang="zh-CN" altLang="en-US" b="1">
+                <a:sym typeface="+mn-ea"/>
+              </a:rPr>
+              <a:t>alignmen</a:t>
+            </a:r>
+            <a:r>
+              <a:rPr lang="en-US" altLang="zh-CN" b="1">
+                <a:sym typeface="+mn-ea"/>
+              </a:rPr>
+              <a:t>t</a:t>
+            </a:r>
+            <a:endParaRPr lang="en-US" altLang="zh-CN" b="1">
+              <a:sym typeface="+mn-ea"/>
+            </a:endParaRPr>
+          </a:p>
+        </p:txBody>
+      </p:sp>
+      <p:cxnSp>
+        <p:nvCxnSpPr>
+          <p:cNvPr id="59" name="直接箭头连接符 58"/>
+          <p:cNvCxnSpPr>
+            <a:stCxn id="4" idx="0"/>
+            <a:endCxn id="5" idx="2"/>
+          </p:cNvCxnSpPr>
+          <p:nvPr/>
+        </p:nvCxnSpPr>
+        <p:spPr>
+          <a:xfrm flipV="1">
+            <a:off x="966470" y="1478280"/>
+            <a:ext cx="182880" cy="920115"/>
+          </a:xfrm>
+          <a:prstGeom prst="straightConnector1">
+            <a:avLst/>
+          </a:prstGeom>
+          <a:ln>
+            <a:tailEnd type="arrow"/>
+          </a:ln>
+        </p:spPr>
+        <p:style>
+          <a:lnRef idx="1">
+            <a:schemeClr val="accent1"/>
+          </a:lnRef>
+          <a:fillRef idx="0">
+            <a:schemeClr val="accent1"/>
+          </a:fillRef>
+          <a:effectRef idx="0">
+            <a:schemeClr val="accent1"/>
+          </a:effectRef>
+          <a:fontRef idx="minor">
+            <a:schemeClr val="tx1"/>
+          </a:fontRef>
+        </p:style>
+      </p:cxnSp>
+      <p:cxnSp>
+        <p:nvCxnSpPr>
+          <p:cNvPr id="2" name="直接箭头连接符 1"/>
+          <p:cNvCxnSpPr>
+            <a:stCxn id="9" idx="2"/>
+            <a:endCxn id="57" idx="0"/>
+          </p:cNvCxnSpPr>
+          <p:nvPr/>
+        </p:nvCxnSpPr>
+        <p:spPr>
+          <a:xfrm>
+            <a:off x="2921635" y="4119245"/>
+            <a:ext cx="11430" cy="365760"/>
+          </a:xfrm>
+          <a:prstGeom prst="straightConnector1">
+            <a:avLst/>
+          </a:prstGeom>
+          <a:ln w="38100" cmpd="dbl">
+            <a:solidFill>
+              <a:schemeClr val="accent1">
+                <a:shade val="50000"/>
+              </a:schemeClr>
+            </a:solidFill>
+            <a:prstDash val="solid"/>
+            <a:headEnd type="arrow"/>
+            <a:tailEnd type="arrow"/>
+          </a:ln>
+        </p:spPr>
+        <p:style>
+          <a:lnRef idx="1">
+            <a:schemeClr val="accent1"/>
+          </a:lnRef>
+          <a:fillRef idx="0">
+            <a:schemeClr val="accent1"/>
+          </a:fillRef>
+          <a:effectRef idx="0">
+            <a:schemeClr val="accent1"/>
+          </a:effectRef>
+          <a:fontRef idx="minor">
+            <a:schemeClr val="tx1"/>
+          </a:fontRef>
+        </p:style>
+      </p:cxnSp>
+      <p:sp>
+        <p:nvSpPr>
+          <p:cNvPr id="3" name="矩形 2"/>
           <p:cNvSpPr/>
           <p:nvPr/>
         </p:nvSpPr>
         <p:spPr>
           <a:xfrm>
-            <a:off x="8201025" y="4162838"/>
-            <a:ext cx="2088000" cy="432000"/>
+            <a:off x="439420" y="5467985"/>
+            <a:ext cx="4373245" cy="1148715"/>
           </a:xfrm>
           <a:prstGeom prst="rect">
             <a:avLst/>
@@ -4464,13 +5040,13 @@
         </p:spPr>
         <p:style>
           <a:lnRef idx="2">
-            <a:schemeClr val="accent4"/>
+            <a:schemeClr val="accent2"/>
           </a:lnRef>
           <a:fillRef idx="1">
             <a:schemeClr val="lt1"/>
           </a:fillRef>
           <a:effectRef idx="0">
-            <a:schemeClr val="accent4"/>
+            <a:schemeClr val="accent2"/>
           </a:effectRef>
           <a:fontRef idx="minor">
             <a:schemeClr val="dk1"/>
@@ -4478,95 +5054,31 @@
         </p:style>
         <p:txBody>
           <a:bodyPr rtlCol="0" anchor="ctr"/>
-          <a:lstStyle/>
-          <a:p>
-            <a:pPr algn="ctr"/>
-            <a:r>
-              <a:rPr lang="en-US" altLang="zh-CN" b="1"/>
-              <a:t>size</a:t>
-            </a:r>
-          </a:p>
-        </p:txBody>
-      </p:sp>
-      <p:sp>
-        <p:nvSpPr>
-          <p:cNvPr id="53" name="矩形 52"/>
-          <p:cNvSpPr/>
-          <p:nvPr/>
-        </p:nvSpPr>
-        <p:spPr>
-          <a:xfrm>
-            <a:off x="8201025" y="4778118"/>
-            <a:ext cx="2088000" cy="432000"/>
-          </a:xfrm>
-          <a:prstGeom prst="rect">
-            <a:avLst/>
-          </a:prstGeom>
-        </p:spPr>
-        <p:style>
-          <a:lnRef idx="2">
-            <a:schemeClr val="accent4"/>
-          </a:lnRef>
-          <a:fillRef idx="1">
-            <a:schemeClr val="lt1"/>
-          </a:fillRef>
-          <a:effectRef idx="0">
-            <a:schemeClr val="accent4"/>
-          </a:effectRef>
-          <a:fontRef idx="minor">
-            <a:schemeClr val="dk1"/>
-          </a:fontRef>
-        </p:style>
-        <p:txBody>
-          <a:bodyPr rtlCol="0" anchor="ctr"/>
-          <a:lstStyle/>
-          <a:p>
-            <a:pPr algn="ctr"/>
-            <a:r>
-              <a:rPr lang="en-US" altLang="zh-CN" b="1" dirty="0"/>
-              <a:t>Name/Asia</a:t>
-            </a:r>
-          </a:p>
-        </p:txBody>
-      </p:sp>
-      <p:sp>
-        <p:nvSpPr>
-          <p:cNvPr id="54" name="矩形 53"/>
-          <p:cNvSpPr/>
-          <p:nvPr/>
-        </p:nvSpPr>
-        <p:spPr>
-          <a:xfrm>
-            <a:off x="8201025" y="5336947"/>
-            <a:ext cx="2088000" cy="432000"/>
-          </a:xfrm>
-          <a:prstGeom prst="rect">
-            <a:avLst/>
-          </a:prstGeom>
-        </p:spPr>
-        <p:style>
-          <a:lnRef idx="2">
-            <a:schemeClr val="accent4"/>
-          </a:lnRef>
-          <a:fillRef idx="1">
-            <a:schemeClr val="lt1"/>
-          </a:fillRef>
-          <a:effectRef idx="0">
-            <a:schemeClr val="accent4"/>
-          </a:effectRef>
-          <a:fontRef idx="minor">
-            <a:schemeClr val="dk1"/>
-          </a:fontRef>
-        </p:style>
-        <p:txBody>
-          <a:bodyPr rtlCol="0" anchor="ctr"/>
-          <a:lstStyle/>
-          <a:p>
-            <a:pPr algn="ctr"/>
-            <a:r>
-              <a:rPr lang="en-US" altLang="zh-CN" b="1"/>
-              <a:t>shadow</a:t>
-            </a:r>
+          <a:p>
+            <a:pPr algn="l"/>
+            <a:r>
+              <a:rPr lang="zh-CN" altLang="en-US" i="1"/>
+              <a:t>显示效果优先级：</a:t>
+            </a:r>
+            <a:endParaRPr lang="zh-CN" altLang="en-US" i="1"/>
+          </a:p>
+          <a:p>
+            <a:pPr algn="l"/>
+            <a:r>
+              <a:rPr lang="en-US" altLang="zh-CN" i="1"/>
+              <a:t>1. rfont &gt; rsfont &gt;pfont</a:t>
+            </a:r>
+            <a:endParaRPr lang="en-US" altLang="zh-CN" i="1"/>
+          </a:p>
+          <a:p>
+            <a:pPr algn="l"/>
+            <a:r>
+              <a:rPr lang="en-US" altLang="zh-CN" b="1">
+                <a:sym typeface="+mn-ea"/>
+              </a:rPr>
+              <a:t>2. Paragraph_format &gt; sParagraph_format</a:t>
+            </a:r>
+            <a:endParaRPr lang="en-US" altLang="zh-CN" i="1"/>
           </a:p>
         </p:txBody>
       </p:sp>
@@ -4595,259 +5107,6 @@
           <a:chExt cx="0" cy="0"/>
         </a:xfrm>
       </p:grpSpPr>
-      <p:sp>
-        <p:nvSpPr>
-          <p:cNvPr id="31" name="矩形 30"/>
-          <p:cNvSpPr/>
-          <p:nvPr/>
-        </p:nvSpPr>
-        <p:spPr>
-          <a:xfrm>
-            <a:off x="809625" y="2428240"/>
-            <a:ext cx="1980000" cy="432000"/>
-          </a:xfrm>
-          <a:prstGeom prst="rect">
-            <a:avLst/>
-          </a:prstGeom>
-        </p:spPr>
-        <p:style>
-          <a:lnRef idx="1">
-            <a:schemeClr val="accent2"/>
-          </a:lnRef>
-          <a:fillRef idx="3">
-            <a:schemeClr val="accent2"/>
-          </a:fillRef>
-          <a:effectRef idx="2">
-            <a:schemeClr val="accent2"/>
-          </a:effectRef>
-          <a:fontRef idx="minor">
-            <a:schemeClr val="lt1"/>
-          </a:fontRef>
-        </p:style>
-        <p:txBody>
-          <a:bodyPr rtlCol="0" anchor="ctr"/>
-          <a:lstStyle/>
-          <a:p>
-            <a:pPr algn="ctr"/>
-            <a:r>
-              <a:rPr lang="en-US" altLang="zh-CN" b="1"/>
-              <a:t>font</a:t>
-            </a:r>
-          </a:p>
-        </p:txBody>
-      </p:sp>
-      <p:sp>
-        <p:nvSpPr>
-          <p:cNvPr id="4" name="矩形 3"/>
-          <p:cNvSpPr/>
-          <p:nvPr/>
-        </p:nvSpPr>
-        <p:spPr>
-          <a:xfrm>
-            <a:off x="3200400" y="1113790"/>
-            <a:ext cx="2088000" cy="432000"/>
-          </a:xfrm>
-          <a:prstGeom prst="rect">
-            <a:avLst/>
-          </a:prstGeom>
-        </p:spPr>
-        <p:style>
-          <a:lnRef idx="2">
-            <a:schemeClr val="accent6"/>
-          </a:lnRef>
-          <a:fillRef idx="1">
-            <a:schemeClr val="lt1"/>
-          </a:fillRef>
-          <a:effectRef idx="0">
-            <a:schemeClr val="accent6"/>
-          </a:effectRef>
-          <a:fontRef idx="minor">
-            <a:schemeClr val="dk1"/>
-          </a:fontRef>
-        </p:style>
-        <p:txBody>
-          <a:bodyPr rtlCol="0" anchor="ctr"/>
-          <a:lstStyle/>
-          <a:p>
-            <a:pPr algn="ctr"/>
-            <a:r>
-              <a:rPr lang="en-US" altLang="zh-CN" b="1"/>
-              <a:t>small_caps/all_caps</a:t>
-            </a:r>
-          </a:p>
-        </p:txBody>
-      </p:sp>
-      <p:sp>
-        <p:nvSpPr>
-          <p:cNvPr id="5" name="矩形 4"/>
-          <p:cNvSpPr/>
-          <p:nvPr/>
-        </p:nvSpPr>
-        <p:spPr>
-          <a:xfrm>
-            <a:off x="3200400" y="1866265"/>
-            <a:ext cx="2087880" cy="555625"/>
-          </a:xfrm>
-          <a:prstGeom prst="rect">
-            <a:avLst/>
-          </a:prstGeom>
-        </p:spPr>
-        <p:style>
-          <a:lnRef idx="2">
-            <a:schemeClr val="accent6"/>
-          </a:lnRef>
-          <a:fillRef idx="1">
-            <a:schemeClr val="lt1"/>
-          </a:fillRef>
-          <a:effectRef idx="0">
-            <a:schemeClr val="accent6"/>
-          </a:effectRef>
-          <a:fontRef idx="minor">
-            <a:schemeClr val="dk1"/>
-          </a:fontRef>
-        </p:style>
-        <p:txBody>
-          <a:bodyPr rtlCol="0" anchor="ctr"/>
-          <a:lstStyle/>
-          <a:p>
-            <a:pPr algn="ctr"/>
-            <a:r>
-              <a:rPr lang="en-US" altLang="zh-CN" b="1"/>
-              <a:t>color</a:t>
-            </a:r>
-          </a:p>
-          <a:p>
-            <a:pPr algn="ctr"/>
-            <a:r>
-              <a:rPr lang="en-US" altLang="zh-CN" b="1"/>
-              <a:t>ColorFormat</a:t>
-            </a:r>
-          </a:p>
-        </p:txBody>
-      </p:sp>
-      <p:sp>
-        <p:nvSpPr>
-          <p:cNvPr id="6" name="矩形 5"/>
-          <p:cNvSpPr/>
-          <p:nvPr/>
-        </p:nvSpPr>
-        <p:spPr>
-          <a:xfrm>
-            <a:off x="3200400" y="2713990"/>
-            <a:ext cx="2088000" cy="432000"/>
-          </a:xfrm>
-          <a:prstGeom prst="rect">
-            <a:avLst/>
-          </a:prstGeom>
-        </p:spPr>
-        <p:style>
-          <a:lnRef idx="2">
-            <a:schemeClr val="accent6"/>
-          </a:lnRef>
-          <a:fillRef idx="1">
-            <a:schemeClr val="lt1"/>
-          </a:fillRef>
-          <a:effectRef idx="0">
-            <a:schemeClr val="accent6"/>
-          </a:effectRef>
-          <a:fontRef idx="minor">
-            <a:schemeClr val="dk1"/>
-          </a:fontRef>
-        </p:style>
-        <p:txBody>
-          <a:bodyPr rtlCol="0" anchor="ctr"/>
-          <a:lstStyle/>
-          <a:p>
-            <a:pPr algn="ctr"/>
-            <a:r>
-              <a:rPr lang="en-US" altLang="zh-CN" b="1"/>
-              <a:t>size</a:t>
-            </a:r>
-          </a:p>
-        </p:txBody>
-      </p:sp>
-      <p:sp>
-        <p:nvSpPr>
-          <p:cNvPr id="7" name="矩形 6"/>
-          <p:cNvSpPr/>
-          <p:nvPr/>
-        </p:nvSpPr>
-        <p:spPr>
-          <a:xfrm>
-            <a:off x="3200400" y="3371215"/>
-            <a:ext cx="2088000" cy="432000"/>
-          </a:xfrm>
-          <a:prstGeom prst="rect">
-            <a:avLst/>
-          </a:prstGeom>
-        </p:spPr>
-        <p:style>
-          <a:lnRef idx="2">
-            <a:schemeClr val="accent6"/>
-          </a:lnRef>
-          <a:fillRef idx="1">
-            <a:schemeClr val="lt1"/>
-          </a:fillRef>
-          <a:effectRef idx="0">
-            <a:schemeClr val="accent6"/>
-          </a:effectRef>
-          <a:fontRef idx="minor">
-            <a:schemeClr val="dk1"/>
-          </a:fontRef>
-        </p:style>
-        <p:txBody>
-          <a:bodyPr rtlCol="0" anchor="ctr"/>
-          <a:lstStyle/>
-          <a:p>
-            <a:pPr algn="ctr"/>
-            <a:r>
-              <a:rPr lang="en-US" altLang="zh-CN" b="1"/>
-              <a:t>name</a:t>
-            </a:r>
-          </a:p>
-        </p:txBody>
-      </p:sp>
-      <p:sp>
-        <p:nvSpPr>
-          <p:cNvPr id="8" name="矩形 7"/>
-          <p:cNvSpPr/>
-          <p:nvPr/>
-        </p:nvSpPr>
-        <p:spPr>
-          <a:xfrm>
-            <a:off x="3200400" y="4047490"/>
-            <a:ext cx="2088000" cy="432000"/>
-          </a:xfrm>
-          <a:prstGeom prst="rect">
-            <a:avLst/>
-          </a:prstGeom>
-        </p:spPr>
-        <p:style>
-          <a:lnRef idx="2">
-            <a:schemeClr val="accent6"/>
-          </a:lnRef>
-          <a:fillRef idx="1">
-            <a:schemeClr val="lt1"/>
-          </a:fillRef>
-          <a:effectRef idx="0">
-            <a:schemeClr val="accent6"/>
-          </a:effectRef>
-          <a:fontRef idx="minor">
-            <a:schemeClr val="dk1"/>
-          </a:fontRef>
-        </p:style>
-        <p:txBody>
-          <a:bodyPr rtlCol="0" anchor="ctr"/>
-          <a:lstStyle/>
-          <a:p>
-            <a:pPr algn="ctr"/>
-            <a:r>
-              <a:rPr lang="en-US" altLang="zh-CN" b="1"/>
-              <a:t>shadow</a:t>
-            </a:r>
-          </a:p>
-        </p:txBody>
-      </p:sp>
     </p:spTree>
   </p:cSld>
   <p:clrMapOvr>
@@ -5107,8 +5366,6 @@
       </a:bgFillStyleLst>
     </a:fmtScheme>
   </a:themeElements>
-  <a:objectDefaults/>
-  <a:extraClrSchemeLst/>
   <a:extLst>
     <a:ext uri="{05A4C25C-085E-4340-85A3-A5531E510DB2}">
       <thm15:themeFamily xmlns:thm15="http://schemas.microsoft.com/office/thememl/2012/main" name="Office Theme" id="{62F939B6-93AF-4DB8-9C6B-D6C7DFDC589F}" vid="{4A3C46E8-61CC-4603-A589-7422A47A8E4A}"/>
